--- a/Presentaties/5Wekelijkse PowerPoint/ppt_enocean.pptx
+++ b/Presentaties/5Wekelijkse PowerPoint/ppt_enocean.pptx
@@ -21,23 +21,23 @@
   <p:notesSz cx="6858000" cy="9144000"/>
   <p:embeddedFontLst>
     <p:embeddedFont>
+      <p:font typeface="Abel" panose="020B0604020202020204" charset="0"/>
+      <p:regular r:id="rId11"/>
+    </p:embeddedFont>
+    <p:embeddedFont>
       <p:font typeface="Dosis ExtraLight" panose="020B0604020202020204" charset="0"/>
-      <p:regular r:id="rId11"/>
-      <p:bold r:id="rId12"/>
+      <p:regular r:id="rId12"/>
+      <p:bold r:id="rId13"/>
+    </p:embeddedFont>
+    <p:embeddedFont>
+      <p:font typeface="Fira Sans Condensed ExtraLight" panose="020B0604020202020204" charset="0"/>
+      <p:regular r:id="rId14"/>
+      <p:bold r:id="rId15"/>
+      <p:italic r:id="rId16"/>
+      <p:boldItalic r:id="rId17"/>
     </p:embeddedFont>
     <p:embeddedFont>
       <p:font typeface="Josefin Sans" panose="020B0604020202020204" charset="0"/>
-      <p:regular r:id="rId13"/>
-      <p:bold r:id="rId14"/>
-      <p:italic r:id="rId15"/>
-      <p:boldItalic r:id="rId16"/>
-    </p:embeddedFont>
-    <p:embeddedFont>
-      <p:font typeface="Abel" panose="020B0604020202020204" charset="0"/>
-      <p:regular r:id="rId17"/>
-    </p:embeddedFont>
-    <p:embeddedFont>
-      <p:font typeface="Fira Sans Condensed ExtraLight" panose="020B0604020202020204" charset="0"/>
       <p:regular r:id="rId18"/>
       <p:bold r:id="rId19"/>
       <p:italic r:id="rId20"/>
@@ -4455,6 +4455,169 @@
           </a:bodyPr>
           <a:lstStyle/>
           <a:p>
+            <a:pPr lvl="0">
+              <a:spcAft>
+                <a:spcPts val="600"/>
+              </a:spcAft>
+              <a:buClr>
+                <a:srgbClr val="FFFFFF"/>
+              </a:buClr>
+              <a:buSzPts val="1100"/>
+              <a:buFont typeface="Dosis ExtraLight"/>
+              <a:buChar char="●"/>
+            </a:pPr>
+            <a:r>
+              <a:rPr lang="en-US" sz="1600" dirty="0" err="1">
+                <a:solidFill>
+                  <a:srgbClr val="FFFFFF"/>
+                </a:solidFill>
+                <a:latin typeface="Dosis ExtraLight"/>
+                <a:ea typeface="Dosis ExtraLight"/>
+                <a:cs typeface="Dosis ExtraLight"/>
+                <a:sym typeface="Dosis ExtraLight"/>
+              </a:rPr>
+              <a:t>Visualisatie</a:t>
+            </a:r>
+            <a:endParaRPr lang="en-US" sz="1600" dirty="0">
+              <a:solidFill>
+                <a:srgbClr val="FFFFFF"/>
+              </a:solidFill>
+              <a:latin typeface="Dosis ExtraLight"/>
+              <a:ea typeface="Dosis ExtraLight"/>
+              <a:cs typeface="Dosis ExtraLight"/>
+              <a:sym typeface="Dosis ExtraLight"/>
+            </a:endParaRPr>
+          </a:p>
+          <a:p>
+            <a:pPr lvl="0">
+              <a:spcAft>
+                <a:spcPts val="600"/>
+              </a:spcAft>
+              <a:buClr>
+                <a:srgbClr val="FFFFFF"/>
+              </a:buClr>
+              <a:buSzPts val="1100"/>
+              <a:buFont typeface="Dosis ExtraLight"/>
+              <a:buChar char="●"/>
+            </a:pPr>
+            <a:r>
+              <a:rPr lang="en-US" sz="1600" dirty="0" err="1">
+                <a:solidFill>
+                  <a:srgbClr val="FFFFFF"/>
+                </a:solidFill>
+                <a:latin typeface="Dosis ExtraLight"/>
+                <a:ea typeface="Dosis ExtraLight"/>
+                <a:cs typeface="Dosis ExtraLight"/>
+                <a:sym typeface="Dosis ExtraLight"/>
+              </a:rPr>
+              <a:t>Progamma</a:t>
+            </a:r>
+            <a:r>
+              <a:rPr lang="en-US" sz="1600" dirty="0">
+                <a:solidFill>
+                  <a:srgbClr val="FFFFFF"/>
+                </a:solidFill>
+                <a:latin typeface="Dosis ExtraLight"/>
+                <a:ea typeface="Dosis ExtraLight"/>
+                <a:cs typeface="Dosis ExtraLight"/>
+                <a:sym typeface="Dosis ExtraLight"/>
+              </a:rPr>
+              <a:t> </a:t>
+            </a:r>
+            <a:r>
+              <a:rPr lang="en-US" sz="1600" dirty="0" err="1">
+                <a:solidFill>
+                  <a:srgbClr val="FFFFFF"/>
+                </a:solidFill>
+                <a:latin typeface="Dosis ExtraLight"/>
+                <a:ea typeface="Dosis ExtraLight"/>
+                <a:cs typeface="Dosis ExtraLight"/>
+                <a:sym typeface="Dosis ExtraLight"/>
+              </a:rPr>
+              <a:t>logica</a:t>
+            </a:r>
+            <a:endParaRPr lang="en-US" sz="1600" dirty="0">
+              <a:solidFill>
+                <a:srgbClr val="FFFFFF"/>
+              </a:solidFill>
+              <a:latin typeface="Dosis ExtraLight"/>
+              <a:ea typeface="Dosis ExtraLight"/>
+              <a:cs typeface="Dosis ExtraLight"/>
+              <a:sym typeface="Dosis ExtraLight"/>
+            </a:endParaRPr>
+          </a:p>
+          <a:p>
+            <a:pPr lvl="0">
+              <a:spcAft>
+                <a:spcPts val="600"/>
+              </a:spcAft>
+              <a:buClr>
+                <a:srgbClr val="FFFFFF"/>
+              </a:buClr>
+              <a:buSzPts val="1100"/>
+              <a:buFont typeface="Dosis ExtraLight"/>
+              <a:buChar char="●"/>
+            </a:pPr>
+            <a:r>
+              <a:rPr lang="en-US" sz="1600" dirty="0">
+                <a:solidFill>
+                  <a:srgbClr val="FFFFFF"/>
+                </a:solidFill>
+                <a:latin typeface="Dosis ExtraLight"/>
+                <a:ea typeface="Dosis ExtraLight"/>
+                <a:cs typeface="Dosis ExtraLight"/>
+                <a:sym typeface="Dosis ExtraLight"/>
+              </a:rPr>
+              <a:t>Json data</a:t>
+            </a:r>
+          </a:p>
+          <a:p>
+            <a:pPr lvl="0">
+              <a:spcAft>
+                <a:spcPts val="600"/>
+              </a:spcAft>
+              <a:buClr>
+                <a:srgbClr val="FFFFFF"/>
+              </a:buClr>
+              <a:buSzPts val="1100"/>
+              <a:buFont typeface="Dosis ExtraLight"/>
+              <a:buChar char="●"/>
+            </a:pPr>
+            <a:r>
+              <a:rPr lang="en-US" sz="1600" dirty="0">
+                <a:solidFill>
+                  <a:srgbClr val="FFFFFF"/>
+                </a:solidFill>
+                <a:latin typeface="Dosis ExtraLight"/>
+                <a:ea typeface="Dosis ExtraLight"/>
+                <a:cs typeface="Dosis ExtraLight"/>
+                <a:sym typeface="Dosis ExtraLight"/>
+              </a:rPr>
+              <a:t>MQTT</a:t>
+            </a:r>
+          </a:p>
+          <a:p>
+            <a:pPr marL="158750" lvl="0" indent="0">
+              <a:spcAft>
+                <a:spcPts val="600"/>
+              </a:spcAft>
+              <a:buClr>
+                <a:srgbClr val="FFFFFF"/>
+              </a:buClr>
+              <a:buSzPts val="1100"/>
+              <a:buNone/>
+            </a:pPr>
+            <a:endParaRPr lang="en-US" sz="1600" dirty="0">
+              <a:solidFill>
+                <a:srgbClr val="FFFFFF"/>
+              </a:solidFill>
+              <a:latin typeface="Dosis ExtraLight"/>
+              <a:ea typeface="Dosis ExtraLight"/>
+              <a:cs typeface="Dosis ExtraLight"/>
+              <a:sym typeface="Dosis ExtraLight"/>
+            </a:endParaRPr>
+          </a:p>
+          <a:p>
             <a:pPr marL="158750" lvl="0" indent="0">
               <a:spcAft>
                 <a:spcPts val="600"/>
@@ -4632,6 +4795,36 @@
           </a:p>
         </p:txBody>
       </p:sp>
+      <p:pic>
+        <p:nvPicPr>
+          <p:cNvPr id="7" name="Picture 6">
+            <a:extLst>
+              <a:ext uri="{FF2B5EF4-FFF2-40B4-BE49-F238E27FC236}">
+                <a16:creationId xmlns:a16="http://schemas.microsoft.com/office/drawing/2014/main" id="{91A9719A-F5B1-4883-8E50-3979F7833C4A}"/>
+              </a:ext>
+            </a:extLst>
+          </p:cNvPr>
+          <p:cNvPicPr>
+            <a:picLocks noChangeAspect="1"/>
+          </p:cNvPicPr>
+          <p:nvPr/>
+        </p:nvPicPr>
+        <p:blipFill>
+          <a:blip r:embed="rId3"/>
+          <a:stretch>
+            <a:fillRect/>
+          </a:stretch>
+        </p:blipFill>
+        <p:spPr>
+          <a:xfrm>
+            <a:off x="4071251" y="838424"/>
+            <a:ext cx="4103024" cy="2362602"/>
+          </a:xfrm>
+          <a:prstGeom prst="rect">
+            <a:avLst/>
+          </a:prstGeom>
+        </p:spPr>
+      </p:pic>
     </p:spTree>
     <p:extLst>
       <p:ext uri="{BB962C8B-B14F-4D97-AF65-F5344CB8AC3E}">
@@ -5644,7 +5837,7 @@
               <a:t> script </a:t>
             </a:r>
             <a:r>
-              <a:rPr lang="en-US" sz="1600" dirty="0" err="1" smtClean="0">
+              <a:rPr lang="en-US" sz="1600" dirty="0" err="1">
                 <a:solidFill>
                   <a:srgbClr val="FFFFFF"/>
                 </a:solidFill>
@@ -5656,7 +5849,7 @@
               <a:t>omgevormd</a:t>
             </a:r>
             <a:r>
-              <a:rPr lang="en-US" sz="1600" dirty="0" smtClean="0">
+              <a:rPr lang="en-US" sz="1600" dirty="0">
                 <a:solidFill>
                   <a:srgbClr val="FFFFFF"/>
                 </a:solidFill>
@@ -5668,7 +5861,7 @@
               <a:t> </a:t>
             </a:r>
             <a:r>
-              <a:rPr lang="en-US" sz="1600" dirty="0" err="1" smtClean="0">
+              <a:rPr lang="en-US" sz="1600" dirty="0" err="1">
                 <a:solidFill>
                   <a:srgbClr val="FFFFFF"/>
                 </a:solidFill>
@@ -5680,7 +5873,7 @@
               <a:t>naar</a:t>
             </a:r>
             <a:r>
-              <a:rPr lang="en-US" sz="1600" dirty="0" smtClean="0">
+              <a:rPr lang="en-US" sz="1600" dirty="0">
                 <a:solidFill>
                   <a:srgbClr val="FFFFFF"/>
                 </a:solidFill>
@@ -5692,7 +5885,7 @@
               <a:t> </a:t>
             </a:r>
             <a:r>
-              <a:rPr lang="en-US" sz="1600" dirty="0" err="1" smtClean="0">
+              <a:rPr lang="en-US" sz="1600" dirty="0" err="1">
                 <a:solidFill>
                   <a:srgbClr val="FFFFFF"/>
                 </a:solidFill>
@@ -5704,7 +5897,7 @@
               <a:t>json</a:t>
             </a:r>
             <a:r>
-              <a:rPr lang="en-US" sz="1600" dirty="0" smtClean="0">
+              <a:rPr lang="en-US" sz="1600" dirty="0">
                 <a:solidFill>
                   <a:srgbClr val="FFFFFF"/>
                 </a:solidFill>
@@ -5716,7 +5909,7 @@
               <a:t> </a:t>
             </a:r>
             <a:r>
-              <a:rPr lang="en-US" sz="1600" dirty="0" err="1" smtClean="0">
+              <a:rPr lang="en-US" sz="1600" dirty="0" err="1">
                 <a:solidFill>
                   <a:srgbClr val="FFFFFF"/>
                 </a:solidFill>
@@ -5786,7 +5979,7 @@
               <a:t> op </a:t>
             </a:r>
             <a:r>
-              <a:rPr lang="en-US" sz="1600" dirty="0" err="1" smtClean="0">
+              <a:rPr lang="en-US" sz="1600" dirty="0" err="1">
                 <a:solidFill>
                   <a:srgbClr val="FFFFFF"/>
                 </a:solidFill>
@@ -5797,7 +5990,7 @@
               </a:rPr>
               <a:t>webgraph</a:t>
             </a:r>
-            <a:endParaRPr lang="en-US" sz="1600" dirty="0" smtClean="0">
+            <a:endParaRPr lang="en-US" sz="1600" dirty="0">
               <a:solidFill>
                 <a:srgbClr val="FFFFFF"/>
               </a:solidFill>
@@ -5840,7 +6033,7 @@
               <a:buNone/>
             </a:pPr>
             <a:r>
-              <a:rPr lang="en-US" sz="1600" dirty="0" smtClean="0">
+              <a:rPr lang="en-US" sz="1600" dirty="0">
                 <a:solidFill>
                   <a:srgbClr val="FFFFFF"/>
                 </a:solidFill>
@@ -5863,7 +6056,7 @@
               <a:buSzPts val="1100"/>
             </a:pPr>
             <a:r>
-              <a:rPr lang="en-US" sz="1600" dirty="0" smtClean="0">
+              <a:rPr lang="en-US" sz="1600" dirty="0">
                 <a:solidFill>
                   <a:srgbClr val="FFFFFF"/>
                 </a:solidFill>
@@ -5875,7 +6068,7 @@
               <a:t>Real-time weather data </a:t>
             </a:r>
             <a:r>
-              <a:rPr lang="en-US" sz="1600" dirty="0" err="1" smtClean="0">
+              <a:rPr lang="en-US" sz="1600" dirty="0" err="1">
                 <a:solidFill>
                   <a:srgbClr val="FFFFFF"/>
                 </a:solidFill>
@@ -5896,10 +6089,10 @@
                 <a:cs typeface="Dosis ExtraLight"/>
                 <a:sym typeface="Dosis ExtraLight"/>
               </a:rPr>
-              <a:t> </a:t>
-            </a:r>
-            <a:r>
-              <a:rPr lang="en-US" sz="1600" dirty="0" smtClean="0">
+              <a:t> van </a:t>
+            </a:r>
+            <a:r>
+              <a:rPr lang="en-US" sz="1600" dirty="0" err="1">
                 <a:solidFill>
                   <a:srgbClr val="FFFFFF"/>
                 </a:solidFill>
@@ -5908,10 +6101,10 @@
                 <a:cs typeface="Dosis ExtraLight"/>
                 <a:sym typeface="Dosis ExtraLight"/>
               </a:rPr>
-              <a:t>van </a:t>
-            </a:r>
-            <a:r>
-              <a:rPr lang="en-US" sz="1600" dirty="0" err="1" smtClean="0">
+              <a:t>een</a:t>
+            </a:r>
+            <a:r>
+              <a:rPr lang="en-US" sz="1600" dirty="0">
                 <a:solidFill>
                   <a:srgbClr val="FFFFFF"/>
                 </a:solidFill>
@@ -5920,10 +6113,10 @@
                 <a:cs typeface="Dosis ExtraLight"/>
                 <a:sym typeface="Dosis ExtraLight"/>
               </a:rPr>
-              <a:t>een</a:t>
-            </a:r>
-            <a:r>
-              <a:rPr lang="en-US" sz="1600" dirty="0" smtClean="0">
+              <a:t> </a:t>
+            </a:r>
+            <a:r>
+              <a:rPr lang="en-US" sz="1600" dirty="0" err="1">
                 <a:solidFill>
                   <a:srgbClr val="FFFFFF"/>
                 </a:solidFill>
@@ -5932,22 +6125,10 @@
                 <a:cs typeface="Dosis ExtraLight"/>
                 <a:sym typeface="Dosis ExtraLight"/>
               </a:rPr>
-              <a:t> </a:t>
-            </a:r>
-            <a:r>
-              <a:rPr lang="en-US" sz="1600" dirty="0" err="1" smtClean="0">
-                <a:solidFill>
-                  <a:srgbClr val="FFFFFF"/>
-                </a:solidFill>
-                <a:latin typeface="Dosis ExtraLight"/>
-                <a:ea typeface="Dosis ExtraLight"/>
-                <a:cs typeface="Dosis ExtraLight"/>
-                <a:sym typeface="Dosis ExtraLight"/>
-              </a:rPr>
               <a:t>externe</a:t>
             </a:r>
             <a:r>
-              <a:rPr lang="en-US" sz="1600" dirty="0" smtClean="0">
+              <a:rPr lang="en-US" sz="1600" dirty="0">
                 <a:solidFill>
                   <a:srgbClr val="FFFFFF"/>
                 </a:solidFill>
@@ -5970,7 +6151,7 @@
               <a:buSzPts val="1100"/>
             </a:pPr>
             <a:r>
-              <a:rPr lang="en-US" sz="1600" dirty="0" err="1" smtClean="0">
+              <a:rPr lang="en-US" sz="1600" dirty="0" err="1">
                 <a:solidFill>
                   <a:srgbClr val="FFFFFF"/>
                 </a:solidFill>
@@ -5982,7 +6163,7 @@
               <a:t>Externe</a:t>
             </a:r>
             <a:r>
-              <a:rPr lang="en-US" sz="1600" dirty="0" smtClean="0">
+              <a:rPr lang="en-US" sz="1600" dirty="0">
                 <a:solidFill>
                   <a:srgbClr val="FFFFFF"/>
                 </a:solidFill>
@@ -5994,7 +6175,7 @@
               <a:t> data </a:t>
             </a:r>
             <a:r>
-              <a:rPr lang="en-US" sz="1600" dirty="0" err="1" smtClean="0">
+              <a:rPr lang="en-US" sz="1600" dirty="0" err="1">
                 <a:solidFill>
                   <a:srgbClr val="FFFFFF"/>
                 </a:solidFill>
@@ -6006,7 +6187,7 @@
               <a:t>opgeslagen</a:t>
             </a:r>
             <a:r>
-              <a:rPr lang="en-US" sz="1600" dirty="0" smtClean="0">
+              <a:rPr lang="en-US" sz="1600" dirty="0">
                 <a:solidFill>
                   <a:srgbClr val="FFFFFF"/>
                 </a:solidFill>
@@ -6018,7 +6199,7 @@
               <a:t> in </a:t>
             </a:r>
             <a:r>
-              <a:rPr lang="en-US" sz="1600" dirty="0" err="1" smtClean="0">
+              <a:rPr lang="en-US" sz="1600" dirty="0" err="1">
                 <a:solidFill>
                   <a:srgbClr val="FFFFFF"/>
                 </a:solidFill>
@@ -6030,7 +6211,7 @@
               <a:t>een</a:t>
             </a:r>
             <a:r>
-              <a:rPr lang="en-US" sz="1600" dirty="0" smtClean="0">
+              <a:rPr lang="en-US" sz="1600" dirty="0">
                 <a:solidFill>
                   <a:srgbClr val="FFFFFF"/>
                 </a:solidFill>
@@ -6053,7 +6234,7 @@
               <a:buSzPts val="1100"/>
             </a:pPr>
             <a:r>
-              <a:rPr lang="en-US" sz="1600" dirty="0" smtClean="0">
+              <a:rPr lang="en-US" sz="1600" dirty="0">
                 <a:solidFill>
                   <a:srgbClr val="FFFFFF"/>
                 </a:solidFill>
@@ -6065,7 +6246,7 @@
               <a:t>(</a:t>
             </a:r>
             <a:r>
-              <a:rPr lang="en-US" sz="1600" dirty="0" err="1" smtClean="0">
+              <a:rPr lang="en-US" sz="1600" dirty="0" err="1">
                 <a:solidFill>
                   <a:srgbClr val="FFFFFF"/>
                 </a:solidFill>
@@ -6077,7 +6258,7 @@
               <a:t>externe</a:t>
             </a:r>
             <a:r>
-              <a:rPr lang="en-US" sz="1600" dirty="0" smtClean="0">
+              <a:rPr lang="en-US" sz="1600" dirty="0">
                 <a:solidFill>
                   <a:srgbClr val="FFFFFF"/>
                 </a:solidFill>
@@ -6089,7 +6270,7 @@
               <a:t> data </a:t>
             </a:r>
             <a:r>
-              <a:rPr lang="en-US" sz="1600" dirty="0" err="1" smtClean="0">
+              <a:rPr lang="en-US" sz="1600" dirty="0" err="1">
                 <a:solidFill>
                   <a:srgbClr val="FFFFFF"/>
                 </a:solidFill>
@@ -6101,7 +6282,7 @@
               <a:t>kan</a:t>
             </a:r>
             <a:r>
-              <a:rPr lang="en-US" sz="1600" dirty="0" smtClean="0">
+              <a:rPr lang="en-US" sz="1600" dirty="0">
                 <a:solidFill>
                   <a:srgbClr val="FFFFFF"/>
                 </a:solidFill>
@@ -6113,7 +6294,7 @@
               <a:t> </a:t>
             </a:r>
             <a:r>
-              <a:rPr lang="en-US" sz="1600" dirty="0" err="1" smtClean="0">
+              <a:rPr lang="en-US" sz="1600" dirty="0" err="1">
                 <a:solidFill>
                   <a:srgbClr val="FFFFFF"/>
                 </a:solidFill>
@@ -6125,7 +6306,7 @@
               <a:t>ook</a:t>
             </a:r>
             <a:r>
-              <a:rPr lang="en-US" sz="1600" dirty="0" smtClean="0">
+              <a:rPr lang="en-US" sz="1600" dirty="0">
                 <a:solidFill>
                   <a:srgbClr val="FFFFFF"/>
                 </a:solidFill>
@@ -6137,7 +6318,7 @@
               <a:t> </a:t>
             </a:r>
             <a:r>
-              <a:rPr lang="en-US" sz="1600" dirty="0" err="1" smtClean="0">
+              <a:rPr lang="en-US" sz="1600" dirty="0" err="1">
                 <a:solidFill>
                   <a:srgbClr val="FFFFFF"/>
                 </a:solidFill>
@@ -6149,7 +6330,7 @@
               <a:t>terug</a:t>
             </a:r>
             <a:r>
-              <a:rPr lang="en-US" sz="1600" dirty="0" smtClean="0">
+              <a:rPr lang="en-US" sz="1600" dirty="0">
                 <a:solidFill>
                   <a:srgbClr val="FFFFFF"/>
                 </a:solidFill>
@@ -6161,7 +6342,7 @@
               <a:t> </a:t>
             </a:r>
             <a:r>
-              <a:rPr lang="en-US" sz="1600" dirty="0" err="1" smtClean="0">
+              <a:rPr lang="en-US" sz="1600" dirty="0" err="1">
                 <a:solidFill>
                   <a:srgbClr val="FFFFFF"/>
                 </a:solidFill>
@@ -6173,7 +6354,7 @@
               <a:t>naar</a:t>
             </a:r>
             <a:r>
-              <a:rPr lang="en-US" sz="1600" dirty="0" smtClean="0">
+              <a:rPr lang="en-US" sz="1600" dirty="0">
                 <a:solidFill>
                   <a:srgbClr val="FFFFFF"/>
                 </a:solidFill>
@@ -6185,7 +6366,7 @@
               <a:t> de plc </a:t>
             </a:r>
             <a:r>
-              <a:rPr lang="en-US" sz="1600" dirty="0" err="1" smtClean="0">
+              <a:rPr lang="en-US" sz="1600" dirty="0" err="1">
                 <a:solidFill>
                   <a:srgbClr val="FFFFFF"/>
                 </a:solidFill>
@@ -6197,7 +6378,7 @@
               <a:t>verstuurd</a:t>
             </a:r>
             <a:r>
-              <a:rPr lang="en-US" sz="1600" dirty="0" smtClean="0">
+              <a:rPr lang="en-US" sz="1600" dirty="0">
                 <a:solidFill>
                   <a:srgbClr val="FFFFFF"/>
                 </a:solidFill>
@@ -6209,7 +6390,7 @@
               <a:t> </a:t>
             </a:r>
             <a:r>
-              <a:rPr lang="en-US" sz="1600" dirty="0" err="1" smtClean="0">
+              <a:rPr lang="en-US" sz="1600" dirty="0" err="1">
                 <a:solidFill>
                   <a:srgbClr val="FFFFFF"/>
                 </a:solidFill>
@@ -6221,7 +6402,7 @@
               <a:t>worden</a:t>
             </a:r>
             <a:r>
-              <a:rPr lang="en-US" sz="1600" smtClean="0">
+              <a:rPr lang="en-US" sz="1600">
                 <a:solidFill>
                   <a:srgbClr val="FFFFFF"/>
                 </a:solidFill>

--- a/Presentaties/5Wekelijkse PowerPoint/ppt_enocean.pptx
+++ b/Presentaties/5Wekelijkse PowerPoint/ppt_enocean.pptx
@@ -5,47 +5,46 @@
     <p:sldMasterId id="2147483666" r:id="rId1"/>
   </p:sldMasterIdLst>
   <p:notesMasterIdLst>
-    <p:notesMasterId r:id="rId10"/>
+    <p:notesMasterId r:id="rId9"/>
   </p:notesMasterIdLst>
   <p:sldIdLst>
     <p:sldId id="256" r:id="rId2"/>
     <p:sldId id="257" r:id="rId3"/>
     <p:sldId id="287" r:id="rId4"/>
-    <p:sldId id="288" r:id="rId5"/>
-    <p:sldId id="289" r:id="rId6"/>
-    <p:sldId id="292" r:id="rId7"/>
-    <p:sldId id="290" r:id="rId8"/>
-    <p:sldId id="286" r:id="rId9"/>
+    <p:sldId id="289" r:id="rId5"/>
+    <p:sldId id="292" r:id="rId6"/>
+    <p:sldId id="290" r:id="rId7"/>
+    <p:sldId id="286" r:id="rId8"/>
   </p:sldIdLst>
   <p:sldSz cx="9144000" cy="5143500" type="screen16x9"/>
   <p:notesSz cx="6858000" cy="9144000"/>
   <p:embeddedFontLst>
     <p:embeddedFont>
       <p:font typeface="Abel" panose="020B0604020202020204" charset="0"/>
-      <p:regular r:id="rId11"/>
+      <p:regular r:id="rId10"/>
     </p:embeddedFont>
     <p:embeddedFont>
       <p:font typeface="Dosis ExtraLight" panose="020B0604020202020204" charset="0"/>
-      <p:regular r:id="rId12"/>
-      <p:bold r:id="rId13"/>
+      <p:regular r:id="rId11"/>
+      <p:bold r:id="rId12"/>
     </p:embeddedFont>
     <p:embeddedFont>
       <p:font typeface="Fira Sans Condensed ExtraLight" panose="020B0604020202020204" charset="0"/>
-      <p:regular r:id="rId14"/>
-      <p:bold r:id="rId15"/>
-      <p:italic r:id="rId16"/>
-      <p:boldItalic r:id="rId17"/>
+      <p:regular r:id="rId13"/>
+      <p:bold r:id="rId14"/>
+      <p:italic r:id="rId15"/>
+      <p:boldItalic r:id="rId16"/>
     </p:embeddedFont>
     <p:embeddedFont>
       <p:font typeface="Josefin Sans" panose="020B0604020202020204" charset="0"/>
-      <p:regular r:id="rId18"/>
-      <p:bold r:id="rId19"/>
-      <p:italic r:id="rId20"/>
-      <p:boldItalic r:id="rId21"/>
+      <p:regular r:id="rId17"/>
+      <p:bold r:id="rId18"/>
+      <p:italic r:id="rId19"/>
+      <p:boldItalic r:id="rId20"/>
     </p:embeddedFont>
     <p:embeddedFont>
       <p:font typeface="Staatliches" panose="020B0604020202020204" charset="0"/>
-      <p:regular r:id="rId22"/>
+      <p:regular r:id="rId21"/>
     </p:embeddedFont>
   </p:embeddedFontLst>
   <p:defaultTextStyle>
@@ -1191,14 +1190,14 @@
               </a:spcAft>
               <a:buNone/>
             </a:pPr>
-            <a:endParaRPr/>
+            <a:endParaRPr dirty="0"/>
           </a:p>
         </p:txBody>
       </p:sp>
     </p:spTree>
     <p:extLst>
       <p:ext uri="{BB962C8B-B14F-4D97-AF65-F5344CB8AC3E}">
-        <p14:creationId xmlns:p14="http://schemas.microsoft.com/office/powerpoint/2010/main" val="2636832321"/>
+        <p14:creationId xmlns:p14="http://schemas.microsoft.com/office/powerpoint/2010/main" val="50827398"/>
       </p:ext>
     </p:extLst>
   </p:cSld>
@@ -1307,7 +1306,7 @@
     </p:spTree>
     <p:extLst>
       <p:ext uri="{BB962C8B-B14F-4D97-AF65-F5344CB8AC3E}">
-        <p14:creationId xmlns:p14="http://schemas.microsoft.com/office/powerpoint/2010/main" val="50827398"/>
+        <p14:creationId xmlns:p14="http://schemas.microsoft.com/office/powerpoint/2010/main" val="979549973"/>
       </p:ext>
     </p:extLst>
   </p:cSld>
@@ -1318,115 +1317,6 @@
 </file>
 
 <file path=ppt/notesSlides/notesSlide6.xml><?xml version="1.0" encoding="utf-8"?>
-<p:notes xmlns:a="http://schemas.openxmlformats.org/drawingml/2006/main" xmlns:r="http://schemas.openxmlformats.org/officeDocument/2006/relationships" xmlns:p="http://schemas.openxmlformats.org/presentationml/2006/main" showMasterSp="0" showMasterPhAnim="0">
-  <p:cSld>
-    <p:spTree>
-      <p:nvGrpSpPr>
-        <p:cNvPr id="1" name="Shape 313"/>
-        <p:cNvGrpSpPr/>
-        <p:nvPr/>
-      </p:nvGrpSpPr>
-      <p:grpSpPr>
-        <a:xfrm>
-          <a:off x="0" y="0"/>
-          <a:ext cx="0" cy="0"/>
-          <a:chOff x="0" y="0"/>
-          <a:chExt cx="0" cy="0"/>
-        </a:xfrm>
-      </p:grpSpPr>
-      <p:sp>
-        <p:nvSpPr>
-          <p:cNvPr id="314" name="Google Shape;314;g61854c95cc_0_218:notes"/>
-          <p:cNvSpPr>
-            <a:spLocks noGrp="1" noRot="1" noChangeAspect="1"/>
-          </p:cNvSpPr>
-          <p:nvPr>
-            <p:ph type="sldImg" idx="2"/>
-          </p:nvPr>
-        </p:nvSpPr>
-        <p:spPr>
-          <a:xfrm>
-            <a:off x="381000" y="685800"/>
-            <a:ext cx="6096000" cy="3429000"/>
-          </a:xfrm>
-          <a:custGeom>
-            <a:avLst/>
-            <a:gdLst/>
-            <a:ahLst/>
-            <a:cxnLst/>
-            <a:rect l="l" t="t" r="r" b="b"/>
-            <a:pathLst>
-              <a:path w="120000" h="120000" extrusionOk="0">
-                <a:moveTo>
-                  <a:pt x="0" y="0"/>
-                </a:moveTo>
-                <a:lnTo>
-                  <a:pt x="120000" y="0"/>
-                </a:lnTo>
-                <a:lnTo>
-                  <a:pt x="120000" y="120000"/>
-                </a:lnTo>
-                <a:lnTo>
-                  <a:pt x="0" y="120000"/>
-                </a:lnTo>
-                <a:close/>
-              </a:path>
-            </a:pathLst>
-          </a:custGeom>
-        </p:spPr>
-      </p:sp>
-      <p:sp>
-        <p:nvSpPr>
-          <p:cNvPr id="315" name="Google Shape;315;g61854c95cc_0_218:notes"/>
-          <p:cNvSpPr txBox="1">
-            <a:spLocks noGrp="1"/>
-          </p:cNvSpPr>
-          <p:nvPr>
-            <p:ph type="body" idx="1"/>
-          </p:nvPr>
-        </p:nvSpPr>
-        <p:spPr>
-          <a:xfrm>
-            <a:off x="685800" y="4343400"/>
-            <a:ext cx="5486400" cy="4114800"/>
-          </a:xfrm>
-          <a:prstGeom prst="rect">
-            <a:avLst/>
-          </a:prstGeom>
-        </p:spPr>
-        <p:txBody>
-          <a:bodyPr spcFirstLastPara="1" wrap="square" lIns="91425" tIns="91425" rIns="91425" bIns="91425" anchor="t" anchorCtr="0">
-            <a:noAutofit/>
-          </a:bodyPr>
-          <a:lstStyle/>
-          <a:p>
-            <a:pPr marL="0" lvl="0" indent="0" algn="l" rtl="0">
-              <a:spcBef>
-                <a:spcPts val="0"/>
-              </a:spcBef>
-              <a:spcAft>
-                <a:spcPts val="0"/>
-              </a:spcAft>
-              <a:buNone/>
-            </a:pPr>
-            <a:endParaRPr dirty="0"/>
-          </a:p>
-        </p:txBody>
-      </p:sp>
-    </p:spTree>
-    <p:extLst>
-      <p:ext uri="{BB962C8B-B14F-4D97-AF65-F5344CB8AC3E}">
-        <p14:creationId xmlns:p14="http://schemas.microsoft.com/office/powerpoint/2010/main" val="979549973"/>
-      </p:ext>
-    </p:extLst>
-  </p:cSld>
-  <p:clrMapOvr>
-    <a:masterClrMapping/>
-  </p:clrMapOvr>
-</p:notes>
-</file>
-
-<file path=ppt/notesSlides/notesSlide7.xml><?xml version="1.0" encoding="utf-8"?>
 <p:notes xmlns:a="http://schemas.openxmlformats.org/drawingml/2006/main" xmlns:r="http://schemas.openxmlformats.org/officeDocument/2006/relationships" xmlns:p="http://schemas.openxmlformats.org/presentationml/2006/main" showMasterSp="0" showMasterPhAnim="0">
   <p:cSld>
     <p:spTree>
@@ -4898,8 +4788,12 @@
               <a:buNone/>
             </a:pPr>
             <a:r>
+              <a:rPr lang="nl-BE" dirty="0"/>
+              <a:t>Database/ </a:t>
+            </a:r>
+            <a:r>
               <a:rPr lang="nl-BE" dirty="0" err="1"/>
-              <a:t>Sigfox</a:t>
+              <a:t>nodered</a:t>
             </a:r>
             <a:endParaRPr dirty="0"/>
           </a:p>
@@ -4941,17 +4835,71 @@
                 <a:latin typeface="Dosis ExtraLight"/>
                 <a:sym typeface="Abel"/>
               </a:rPr>
-              <a:t>4</a:t>
+              <a:t>5</a:t>
             </a:r>
           </a:p>
         </p:txBody>
       </p:sp>
       <p:sp>
         <p:nvSpPr>
-          <p:cNvPr id="7" name="Tekstvak 6">
+          <p:cNvPr id="7" name="Google Shape;318;p22">
             <a:extLst>
               <a:ext uri="{FF2B5EF4-FFF2-40B4-BE49-F238E27FC236}">
-                <a16:creationId xmlns:a16="http://schemas.microsoft.com/office/drawing/2014/main" id="{97D691E8-88B3-49EA-A238-8978AF46DA09}"/>
+                <a16:creationId xmlns:a16="http://schemas.microsoft.com/office/drawing/2014/main" id="{588F7C53-2FF0-4F4B-AAF7-07299BD95DBB}"/>
+              </a:ext>
+            </a:extLst>
+          </p:cNvPr>
+          <p:cNvSpPr txBox="1">
+            <a:spLocks noGrp="1"/>
+          </p:cNvSpPr>
+          <p:nvPr>
+            <p:ph type="subTitle" idx="1"/>
+          </p:nvPr>
+        </p:nvSpPr>
+        <p:spPr>
+          <a:xfrm>
+            <a:off x="856200" y="1115677"/>
+            <a:ext cx="7670400" cy="3416400"/>
+          </a:xfrm>
+          <a:prstGeom prst="rect">
+            <a:avLst/>
+          </a:prstGeom>
+        </p:spPr>
+        <p:txBody>
+          <a:bodyPr spcFirstLastPara="1" wrap="square" lIns="91425" tIns="91425" rIns="91425" bIns="91425" anchor="t" anchorCtr="0">
+            <a:noAutofit/>
+          </a:bodyPr>
+          <a:lstStyle/>
+          <a:p>
+            <a:pPr lvl="0">
+              <a:spcAft>
+                <a:spcPts val="600"/>
+              </a:spcAft>
+              <a:buClr>
+                <a:srgbClr val="FFFFFF"/>
+              </a:buClr>
+              <a:buSzPts val="1100"/>
+              <a:buFont typeface="Dosis ExtraLight"/>
+              <a:buChar char="●"/>
+            </a:pPr>
+            <a:endParaRPr lang="en-US" sz="1600" dirty="0">
+              <a:solidFill>
+                <a:srgbClr val="FFFFFF"/>
+              </a:solidFill>
+              <a:latin typeface="Dosis ExtraLight"/>
+              <a:ea typeface="Dosis ExtraLight"/>
+              <a:cs typeface="Dosis ExtraLight"/>
+              <a:sym typeface="Dosis ExtraLight"/>
+            </a:endParaRPr>
+          </a:p>
+        </p:txBody>
+      </p:sp>
+      <p:sp>
+        <p:nvSpPr>
+          <p:cNvPr id="11" name="Tekstvak 10">
+            <a:extLst>
+              <a:ext uri="{FF2B5EF4-FFF2-40B4-BE49-F238E27FC236}">
+                <a16:creationId xmlns:a16="http://schemas.microsoft.com/office/drawing/2014/main" id="{AFE91209-2980-42F7-83A9-AE1469A85B60}"/>
               </a:ext>
             </a:extLst>
           </p:cNvPr>
@@ -4986,6 +4934,36 @@
               <a:t>PLC     -     </a:t>
             </a:r>
             <a:r>
+              <a:rPr lang="nl-BE" sz="1200" dirty="0" err="1">
+                <a:solidFill>
+                  <a:schemeClr val="bg1"/>
+                </a:solidFill>
+                <a:latin typeface="Dosis ExtraLight"/>
+                <a:sym typeface="Abel"/>
+              </a:rPr>
+              <a:t>SigFox</a:t>
+            </a:r>
+            <a:r>
+              <a:rPr lang="nl-BE" sz="1200" dirty="0">
+                <a:solidFill>
+                  <a:schemeClr val="bg1"/>
+                </a:solidFill>
+                <a:latin typeface="Dosis ExtraLight"/>
+                <a:sym typeface="Abel"/>
+              </a:rPr>
+              <a:t>     -     </a:t>
+            </a:r>
+            <a:r>
+              <a:rPr lang="nl-BE" sz="1200" b="1" dirty="0">
+                <a:solidFill>
+                  <a:schemeClr val="bg1"/>
+                </a:solidFill>
+                <a:latin typeface="Dosis ExtraLight"/>
+                <a:sym typeface="Abel"/>
+              </a:rPr>
+              <a:t>Database/ </a:t>
+            </a:r>
+            <a:r>
               <a:rPr lang="nl-BE" sz="1200" b="1" dirty="0" err="1">
                 <a:solidFill>
                   <a:schemeClr val="bg1"/>
@@ -4993,7 +4971,7 @@
                 <a:latin typeface="Dosis ExtraLight"/>
                 <a:sym typeface="Abel"/>
               </a:rPr>
-              <a:t>SigFox</a:t>
+              <a:t>NodeRed</a:t>
             </a:r>
             <a:r>
               <a:rPr lang="nl-BE" sz="1200" dirty="0">
@@ -5003,54 +4981,15 @@
                 <a:latin typeface="Dosis ExtraLight"/>
                 <a:sym typeface="Abel"/>
               </a:rPr>
-              <a:t>     -     Database/ </a:t>
-            </a:r>
-            <a:r>
-              <a:rPr lang="nl-BE" sz="1200" dirty="0" err="1">
-                <a:solidFill>
-                  <a:schemeClr val="bg1"/>
-                </a:solidFill>
-                <a:latin typeface="Dosis ExtraLight"/>
-                <a:sym typeface="Abel"/>
-              </a:rPr>
-              <a:t>NodeRed</a:t>
-            </a:r>
-            <a:r>
-              <a:rPr lang="nl-BE" sz="1200" dirty="0">
-                <a:solidFill>
-                  <a:schemeClr val="bg1"/>
-                </a:solidFill>
-                <a:latin typeface="Dosis ExtraLight"/>
-                <a:sym typeface="Abel"/>
-              </a:rPr>
               <a:t>     -     Interface</a:t>
             </a:r>
-          </a:p>
-        </p:txBody>
-      </p:sp>
-      <p:sp>
-        <p:nvSpPr>
-          <p:cNvPr id="4" name="Subtitle 3"/>
-          <p:cNvSpPr>
-            <a:spLocks noGrp="1"/>
-          </p:cNvSpPr>
-          <p:nvPr>
-            <p:ph type="subTitle" idx="1"/>
-          </p:nvPr>
-        </p:nvSpPr>
-        <p:spPr/>
-        <p:txBody>
-          <a:bodyPr/>
-          <a:lstStyle/>
-          <a:p>
-            <a:endParaRPr lang="en-US"/>
           </a:p>
         </p:txBody>
       </p:sp>
     </p:spTree>
     <p:extLst>
       <p:ext uri="{BB962C8B-B14F-4D97-AF65-F5344CB8AC3E}">
-        <p14:creationId xmlns:p14="http://schemas.microsoft.com/office/powerpoint/2010/main" val="458877802"/>
+        <p14:creationId xmlns:p14="http://schemas.microsoft.com/office/powerpoint/2010/main" val="3606939682"/>
       </p:ext>
     </p:extLst>
   </p:cSld>
@@ -5167,7 +5106,7 @@
                 <a:latin typeface="Dosis ExtraLight"/>
                 <a:sym typeface="Abel"/>
               </a:rPr>
-              <a:t>5</a:t>
+              <a:t>6</a:t>
             </a:r>
           </a:p>
         </p:txBody>
@@ -5228,10 +5167,10 @@
       </p:sp>
       <p:sp>
         <p:nvSpPr>
-          <p:cNvPr id="11" name="Tekstvak 10">
+          <p:cNvPr id="10" name="Tekstvak 9">
             <a:extLst>
               <a:ext uri="{FF2B5EF4-FFF2-40B4-BE49-F238E27FC236}">
-                <a16:creationId xmlns:a16="http://schemas.microsoft.com/office/drawing/2014/main" id="{AFE91209-2980-42F7-83A9-AE1469A85B60}"/>
+                <a16:creationId xmlns:a16="http://schemas.microsoft.com/office/drawing/2014/main" id="{26104D37-2602-4D8D-8F43-2736676BFFB0}"/>
               </a:ext>
             </a:extLst>
           </p:cNvPr>
@@ -5306,6 +5245,16 @@
               <a:t>NodeRed</a:t>
             </a:r>
             <a:r>
+              <a:rPr lang="nl-BE" sz="1200" b="1" dirty="0">
+                <a:solidFill>
+                  <a:schemeClr val="bg1"/>
+                </a:solidFill>
+                <a:latin typeface="Dosis ExtraLight"/>
+                <a:sym typeface="Abel"/>
+              </a:rPr>
+              <a:t>     </a:t>
+            </a:r>
+            <a:r>
               <a:rPr lang="nl-BE" sz="1200" dirty="0">
                 <a:solidFill>
                   <a:schemeClr val="bg1"/>
@@ -5313,7 +5262,7 @@
                 <a:latin typeface="Dosis ExtraLight"/>
                 <a:sym typeface="Abel"/>
               </a:rPr>
-              <a:t>     -     Interface</a:t>
+              <a:t>-     Interface</a:t>
             </a:r>
           </a:p>
         </p:txBody>
@@ -5321,7 +5270,7 @@
     </p:spTree>
     <p:extLst>
       <p:ext uri="{BB962C8B-B14F-4D97-AF65-F5344CB8AC3E}">
-        <p14:creationId xmlns:p14="http://schemas.microsoft.com/office/powerpoint/2010/main" val="3606939682"/>
+        <p14:creationId xmlns:p14="http://schemas.microsoft.com/office/powerpoint/2010/main" val="1240919503"/>
       </p:ext>
     </p:extLst>
   </p:cSld>
@@ -5392,287 +5341,6 @@
             </a:pPr>
             <a:r>
               <a:rPr lang="nl-BE" dirty="0"/>
-              <a:t>Database/ </a:t>
-            </a:r>
-            <a:r>
-              <a:rPr lang="nl-BE" dirty="0" err="1"/>
-              <a:t>nodered</a:t>
-            </a:r>
-            <a:endParaRPr dirty="0"/>
-          </a:p>
-        </p:txBody>
-      </p:sp>
-      <p:sp>
-        <p:nvSpPr>
-          <p:cNvPr id="8" name="Tekstvak 7">
-            <a:extLst>
-              <a:ext uri="{FF2B5EF4-FFF2-40B4-BE49-F238E27FC236}">
-                <a16:creationId xmlns:a16="http://schemas.microsoft.com/office/drawing/2014/main" id="{07FE98EE-60EE-4B0B-AFDB-515B4EB27F6C}"/>
-              </a:ext>
-            </a:extLst>
-          </p:cNvPr>
-          <p:cNvSpPr txBox="1"/>
-          <p:nvPr/>
-        </p:nvSpPr>
-        <p:spPr>
-          <a:xfrm>
-            <a:off x="0" y="4804946"/>
-            <a:ext cx="185531" cy="338554"/>
-          </a:xfrm>
-          <a:prstGeom prst="rect">
-            <a:avLst/>
-          </a:prstGeom>
-          <a:noFill/>
-        </p:spPr>
-        <p:txBody>
-          <a:bodyPr wrap="square" rtlCol="0">
-            <a:spAutoFit/>
-          </a:bodyPr>
-          <a:lstStyle/>
-          <a:p>
-            <a:r>
-              <a:rPr lang="nl-BE" sz="1600" dirty="0">
-                <a:solidFill>
-                  <a:srgbClr val="FFFFFF"/>
-                </a:solidFill>
-                <a:latin typeface="Dosis ExtraLight"/>
-                <a:sym typeface="Abel"/>
-              </a:rPr>
-              <a:t>6</a:t>
-            </a:r>
-          </a:p>
-        </p:txBody>
-      </p:sp>
-      <p:sp>
-        <p:nvSpPr>
-          <p:cNvPr id="7" name="Google Shape;318;p22">
-            <a:extLst>
-              <a:ext uri="{FF2B5EF4-FFF2-40B4-BE49-F238E27FC236}">
-                <a16:creationId xmlns:a16="http://schemas.microsoft.com/office/drawing/2014/main" id="{588F7C53-2FF0-4F4B-AAF7-07299BD95DBB}"/>
-              </a:ext>
-            </a:extLst>
-          </p:cNvPr>
-          <p:cNvSpPr txBox="1">
-            <a:spLocks noGrp="1"/>
-          </p:cNvSpPr>
-          <p:nvPr>
-            <p:ph type="subTitle" idx="1"/>
-          </p:nvPr>
-        </p:nvSpPr>
-        <p:spPr>
-          <a:xfrm>
-            <a:off x="856200" y="1115677"/>
-            <a:ext cx="7670400" cy="3416400"/>
-          </a:xfrm>
-          <a:prstGeom prst="rect">
-            <a:avLst/>
-          </a:prstGeom>
-        </p:spPr>
-        <p:txBody>
-          <a:bodyPr spcFirstLastPara="1" wrap="square" lIns="91425" tIns="91425" rIns="91425" bIns="91425" anchor="t" anchorCtr="0">
-            <a:noAutofit/>
-          </a:bodyPr>
-          <a:lstStyle/>
-          <a:p>
-            <a:pPr lvl="0">
-              <a:spcAft>
-                <a:spcPts val="600"/>
-              </a:spcAft>
-              <a:buClr>
-                <a:srgbClr val="FFFFFF"/>
-              </a:buClr>
-              <a:buSzPts val="1100"/>
-              <a:buFont typeface="Dosis ExtraLight"/>
-              <a:buChar char="●"/>
-            </a:pPr>
-            <a:endParaRPr lang="en-US" sz="1600" dirty="0">
-              <a:solidFill>
-                <a:srgbClr val="FFFFFF"/>
-              </a:solidFill>
-              <a:latin typeface="Dosis ExtraLight"/>
-              <a:ea typeface="Dosis ExtraLight"/>
-              <a:cs typeface="Dosis ExtraLight"/>
-              <a:sym typeface="Dosis ExtraLight"/>
-            </a:endParaRPr>
-          </a:p>
-        </p:txBody>
-      </p:sp>
-      <p:sp>
-        <p:nvSpPr>
-          <p:cNvPr id="10" name="Tekstvak 9">
-            <a:extLst>
-              <a:ext uri="{FF2B5EF4-FFF2-40B4-BE49-F238E27FC236}">
-                <a16:creationId xmlns:a16="http://schemas.microsoft.com/office/drawing/2014/main" id="{26104D37-2602-4D8D-8F43-2736676BFFB0}"/>
-              </a:ext>
-            </a:extLst>
-          </p:cNvPr>
-          <p:cNvSpPr txBox="1"/>
-          <p:nvPr/>
-        </p:nvSpPr>
-        <p:spPr>
-          <a:xfrm>
-            <a:off x="5307496" y="4866501"/>
-            <a:ext cx="3836503" cy="276999"/>
-          </a:xfrm>
-          <a:prstGeom prst="rect">
-            <a:avLst/>
-          </a:prstGeom>
-          <a:noFill/>
-        </p:spPr>
-        <p:txBody>
-          <a:bodyPr wrap="square" rtlCol="0">
-            <a:spAutoFit/>
-          </a:bodyPr>
-          <a:lstStyle/>
-          <a:p>
-            <a:pPr algn="r"/>
-            <a:r>
-              <a:rPr lang="nl-BE" sz="1200" dirty="0">
-                <a:solidFill>
-                  <a:schemeClr val="bg1"/>
-                </a:solidFill>
-                <a:latin typeface="Dosis ExtraLight"/>
-                <a:sym typeface="Abel"/>
-              </a:rPr>
-              <a:t>PLC     -     </a:t>
-            </a:r>
-            <a:r>
-              <a:rPr lang="nl-BE" sz="1200" dirty="0" err="1">
-                <a:solidFill>
-                  <a:schemeClr val="bg1"/>
-                </a:solidFill>
-                <a:latin typeface="Dosis ExtraLight"/>
-                <a:sym typeface="Abel"/>
-              </a:rPr>
-              <a:t>SigFox</a:t>
-            </a:r>
-            <a:r>
-              <a:rPr lang="nl-BE" sz="1200" dirty="0">
-                <a:solidFill>
-                  <a:schemeClr val="bg1"/>
-                </a:solidFill>
-                <a:latin typeface="Dosis ExtraLight"/>
-                <a:sym typeface="Abel"/>
-              </a:rPr>
-              <a:t>     -     </a:t>
-            </a:r>
-            <a:r>
-              <a:rPr lang="nl-BE" sz="1200" b="1" dirty="0">
-                <a:solidFill>
-                  <a:schemeClr val="bg1"/>
-                </a:solidFill>
-                <a:latin typeface="Dosis ExtraLight"/>
-                <a:sym typeface="Abel"/>
-              </a:rPr>
-              <a:t>Database/ </a:t>
-            </a:r>
-            <a:r>
-              <a:rPr lang="nl-BE" sz="1200" b="1" dirty="0" err="1">
-                <a:solidFill>
-                  <a:schemeClr val="bg1"/>
-                </a:solidFill>
-                <a:latin typeface="Dosis ExtraLight"/>
-                <a:sym typeface="Abel"/>
-              </a:rPr>
-              <a:t>NodeRed</a:t>
-            </a:r>
-            <a:r>
-              <a:rPr lang="nl-BE" sz="1200" b="1" dirty="0">
-                <a:solidFill>
-                  <a:schemeClr val="bg1"/>
-                </a:solidFill>
-                <a:latin typeface="Dosis ExtraLight"/>
-                <a:sym typeface="Abel"/>
-              </a:rPr>
-              <a:t>     </a:t>
-            </a:r>
-            <a:r>
-              <a:rPr lang="nl-BE" sz="1200" dirty="0">
-                <a:solidFill>
-                  <a:schemeClr val="bg1"/>
-                </a:solidFill>
-                <a:latin typeface="Dosis ExtraLight"/>
-                <a:sym typeface="Abel"/>
-              </a:rPr>
-              <a:t>-     Interface</a:t>
-            </a:r>
-          </a:p>
-        </p:txBody>
-      </p:sp>
-    </p:spTree>
-    <p:extLst>
-      <p:ext uri="{BB962C8B-B14F-4D97-AF65-F5344CB8AC3E}">
-        <p14:creationId xmlns:p14="http://schemas.microsoft.com/office/powerpoint/2010/main" val="1240919503"/>
-      </p:ext>
-    </p:extLst>
-  </p:cSld>
-  <p:clrMapOvr>
-    <a:masterClrMapping/>
-  </p:clrMapOvr>
-</p:sld>
-</file>
-
-<file path=ppt/slides/slide7.xml><?xml version="1.0" encoding="utf-8"?>
-<p:sld xmlns:a="http://schemas.openxmlformats.org/drawingml/2006/main" xmlns:r="http://schemas.openxmlformats.org/officeDocument/2006/relationships" xmlns:p="http://schemas.openxmlformats.org/presentationml/2006/main">
-  <p:cSld>
-    <p:bg>
-      <p:bgPr>
-        <a:solidFill>
-          <a:schemeClr val="lt2"/>
-        </a:solidFill>
-        <a:effectLst/>
-      </p:bgPr>
-    </p:bg>
-    <p:spTree>
-      <p:nvGrpSpPr>
-        <p:cNvPr id="1" name="Shape 316"/>
-        <p:cNvGrpSpPr/>
-        <p:nvPr/>
-      </p:nvGrpSpPr>
-      <p:grpSpPr>
-        <a:xfrm>
-          <a:off x="0" y="0"/>
-          <a:ext cx="0" cy="0"/>
-          <a:chOff x="0" y="0"/>
-          <a:chExt cx="0" cy="0"/>
-        </a:xfrm>
-      </p:grpSpPr>
-      <p:sp>
-        <p:nvSpPr>
-          <p:cNvPr id="317" name="Google Shape;317;p22"/>
-          <p:cNvSpPr txBox="1">
-            <a:spLocks noGrp="1"/>
-          </p:cNvSpPr>
-          <p:nvPr>
-            <p:ph type="ctrTitle"/>
-          </p:nvPr>
-        </p:nvSpPr>
-        <p:spPr>
-          <a:xfrm>
-            <a:off x="0" y="0"/>
-            <a:ext cx="7264500" cy="504000"/>
-          </a:xfrm>
-          <a:prstGeom prst="rect">
-            <a:avLst/>
-          </a:prstGeom>
-        </p:spPr>
-        <p:txBody>
-          <a:bodyPr spcFirstLastPara="1" wrap="square" lIns="91425" tIns="91425" rIns="91425" bIns="91425" anchor="t" anchorCtr="0">
-            <a:noAutofit/>
-          </a:bodyPr>
-          <a:lstStyle/>
-          <a:p>
-            <a:pPr marL="0" lvl="0" indent="0" algn="l" rtl="0">
-              <a:spcBef>
-                <a:spcPts val="0"/>
-              </a:spcBef>
-              <a:spcAft>
-                <a:spcPts val="0"/>
-              </a:spcAft>
-              <a:buNone/>
-            </a:pPr>
-            <a:r>
-              <a:rPr lang="nl-BE" dirty="0"/>
               <a:t>Interface</a:t>
             </a:r>
             <a:endParaRPr dirty="0"/>
@@ -6636,7 +6304,7 @@
 </p:sld>
 </file>
 
-<file path=ppt/slides/slide8.xml><?xml version="1.0" encoding="utf-8"?>
+<file path=ppt/slides/slide7.xml><?xml version="1.0" encoding="utf-8"?>
 <p:sld xmlns:a="http://schemas.openxmlformats.org/drawingml/2006/main" xmlns:r="http://schemas.openxmlformats.org/officeDocument/2006/relationships" xmlns:p="http://schemas.openxmlformats.org/presentationml/2006/main">
   <p:cSld>
     <p:spTree>

--- a/Presentaties/5Wekelijkse PowerPoint/ppt_enocean.pptx
+++ b/Presentaties/5Wekelijkse PowerPoint/ppt_enocean.pptx
@@ -5,46 +5,45 @@
     <p:sldMasterId id="2147483666" r:id="rId1"/>
   </p:sldMasterIdLst>
   <p:notesMasterIdLst>
-    <p:notesMasterId r:id="rId9"/>
+    <p:notesMasterId r:id="rId8"/>
   </p:notesMasterIdLst>
   <p:sldIdLst>
     <p:sldId id="256" r:id="rId2"/>
     <p:sldId id="257" r:id="rId3"/>
     <p:sldId id="287" r:id="rId4"/>
     <p:sldId id="289" r:id="rId5"/>
-    <p:sldId id="292" r:id="rId6"/>
-    <p:sldId id="290" r:id="rId7"/>
-    <p:sldId id="286" r:id="rId8"/>
+    <p:sldId id="290" r:id="rId6"/>
+    <p:sldId id="286" r:id="rId7"/>
   </p:sldIdLst>
   <p:sldSz cx="9144000" cy="5143500" type="screen16x9"/>
   <p:notesSz cx="6858000" cy="9144000"/>
   <p:embeddedFontLst>
     <p:embeddedFont>
       <p:font typeface="Abel" panose="020B0604020202020204" charset="0"/>
-      <p:regular r:id="rId10"/>
+      <p:regular r:id="rId9"/>
     </p:embeddedFont>
     <p:embeddedFont>
       <p:font typeface="Dosis ExtraLight" panose="020B0604020202020204" charset="0"/>
-      <p:regular r:id="rId11"/>
-      <p:bold r:id="rId12"/>
+      <p:regular r:id="rId10"/>
+      <p:bold r:id="rId11"/>
     </p:embeddedFont>
     <p:embeddedFont>
       <p:font typeface="Fira Sans Condensed ExtraLight" panose="020B0604020202020204" charset="0"/>
-      <p:regular r:id="rId13"/>
-      <p:bold r:id="rId14"/>
-      <p:italic r:id="rId15"/>
-      <p:boldItalic r:id="rId16"/>
+      <p:regular r:id="rId12"/>
+      <p:bold r:id="rId13"/>
+      <p:italic r:id="rId14"/>
+      <p:boldItalic r:id="rId15"/>
     </p:embeddedFont>
     <p:embeddedFont>
       <p:font typeface="Josefin Sans" panose="020B0604020202020204" charset="0"/>
-      <p:regular r:id="rId17"/>
-      <p:bold r:id="rId18"/>
-      <p:italic r:id="rId19"/>
-      <p:boldItalic r:id="rId20"/>
+      <p:regular r:id="rId16"/>
+      <p:bold r:id="rId17"/>
+      <p:italic r:id="rId18"/>
+      <p:boldItalic r:id="rId19"/>
     </p:embeddedFont>
     <p:embeddedFont>
       <p:font typeface="Staatliches" panose="020B0604020202020204" charset="0"/>
-      <p:regular r:id="rId21"/>
+      <p:regular r:id="rId20"/>
     </p:embeddedFont>
   </p:embeddedFontLst>
   <p:defaultTextStyle>
@@ -1208,115 +1207,6 @@
 </file>
 
 <file path=ppt/notesSlides/notesSlide5.xml><?xml version="1.0" encoding="utf-8"?>
-<p:notes xmlns:a="http://schemas.openxmlformats.org/drawingml/2006/main" xmlns:r="http://schemas.openxmlformats.org/officeDocument/2006/relationships" xmlns:p="http://schemas.openxmlformats.org/presentationml/2006/main" showMasterSp="0" showMasterPhAnim="0">
-  <p:cSld>
-    <p:spTree>
-      <p:nvGrpSpPr>
-        <p:cNvPr id="1" name="Shape 313"/>
-        <p:cNvGrpSpPr/>
-        <p:nvPr/>
-      </p:nvGrpSpPr>
-      <p:grpSpPr>
-        <a:xfrm>
-          <a:off x="0" y="0"/>
-          <a:ext cx="0" cy="0"/>
-          <a:chOff x="0" y="0"/>
-          <a:chExt cx="0" cy="0"/>
-        </a:xfrm>
-      </p:grpSpPr>
-      <p:sp>
-        <p:nvSpPr>
-          <p:cNvPr id="314" name="Google Shape;314;g61854c95cc_0_218:notes"/>
-          <p:cNvSpPr>
-            <a:spLocks noGrp="1" noRot="1" noChangeAspect="1"/>
-          </p:cNvSpPr>
-          <p:nvPr>
-            <p:ph type="sldImg" idx="2"/>
-          </p:nvPr>
-        </p:nvSpPr>
-        <p:spPr>
-          <a:xfrm>
-            <a:off x="381000" y="685800"/>
-            <a:ext cx="6096000" cy="3429000"/>
-          </a:xfrm>
-          <a:custGeom>
-            <a:avLst/>
-            <a:gdLst/>
-            <a:ahLst/>
-            <a:cxnLst/>
-            <a:rect l="l" t="t" r="r" b="b"/>
-            <a:pathLst>
-              <a:path w="120000" h="120000" extrusionOk="0">
-                <a:moveTo>
-                  <a:pt x="0" y="0"/>
-                </a:moveTo>
-                <a:lnTo>
-                  <a:pt x="120000" y="0"/>
-                </a:lnTo>
-                <a:lnTo>
-                  <a:pt x="120000" y="120000"/>
-                </a:lnTo>
-                <a:lnTo>
-                  <a:pt x="0" y="120000"/>
-                </a:lnTo>
-                <a:close/>
-              </a:path>
-            </a:pathLst>
-          </a:custGeom>
-        </p:spPr>
-      </p:sp>
-      <p:sp>
-        <p:nvSpPr>
-          <p:cNvPr id="315" name="Google Shape;315;g61854c95cc_0_218:notes"/>
-          <p:cNvSpPr txBox="1">
-            <a:spLocks noGrp="1"/>
-          </p:cNvSpPr>
-          <p:nvPr>
-            <p:ph type="body" idx="1"/>
-          </p:nvPr>
-        </p:nvSpPr>
-        <p:spPr>
-          <a:xfrm>
-            <a:off x="685800" y="4343400"/>
-            <a:ext cx="5486400" cy="4114800"/>
-          </a:xfrm>
-          <a:prstGeom prst="rect">
-            <a:avLst/>
-          </a:prstGeom>
-        </p:spPr>
-        <p:txBody>
-          <a:bodyPr spcFirstLastPara="1" wrap="square" lIns="91425" tIns="91425" rIns="91425" bIns="91425" anchor="t" anchorCtr="0">
-            <a:noAutofit/>
-          </a:bodyPr>
-          <a:lstStyle/>
-          <a:p>
-            <a:pPr marL="0" lvl="0" indent="0" algn="l" rtl="0">
-              <a:spcBef>
-                <a:spcPts val="0"/>
-              </a:spcBef>
-              <a:spcAft>
-                <a:spcPts val="0"/>
-              </a:spcAft>
-              <a:buNone/>
-            </a:pPr>
-            <a:endParaRPr dirty="0"/>
-          </a:p>
-        </p:txBody>
-      </p:sp>
-    </p:spTree>
-    <p:extLst>
-      <p:ext uri="{BB962C8B-B14F-4D97-AF65-F5344CB8AC3E}">
-        <p14:creationId xmlns:p14="http://schemas.microsoft.com/office/powerpoint/2010/main" val="979549973"/>
-      </p:ext>
-    </p:extLst>
-  </p:cSld>
-  <p:clrMapOvr>
-    <a:masterClrMapping/>
-  </p:clrMapOvr>
-</p:notes>
-</file>
-
-<file path=ppt/notesSlides/notesSlide6.xml><?xml version="1.0" encoding="utf-8"?>
 <p:notes xmlns:a="http://schemas.openxmlformats.org/drawingml/2006/main" xmlns:r="http://schemas.openxmlformats.org/officeDocument/2006/relationships" xmlns:p="http://schemas.openxmlformats.org/presentationml/2006/main" showMasterSp="0" showMasterPhAnim="0">
   <p:cSld>
     <p:spTree>
@@ -4241,7 +4131,23 @@
           <a:bodyPr/>
           <a:lstStyle/>
           <a:p>
-            <a:endParaRPr lang="en-US"/>
+            <a:r>
+              <a:rPr lang="en-US" dirty="0"/>
+              <a:t>PLC</a:t>
+            </a:r>
+          </a:p>
+          <a:p>
+            <a:r>
+              <a:rPr lang="en-US" dirty="0" err="1"/>
+              <a:t>NodeRed</a:t>
+            </a:r>
+            <a:endParaRPr lang="en-US" dirty="0"/>
+          </a:p>
+          <a:p>
+            <a:r>
+              <a:rPr lang="en-US" dirty="0"/>
+              <a:t>Interface</a:t>
+            </a:r>
           </a:p>
         </p:txBody>
       </p:sp>
@@ -4788,10 +4694,6 @@
               <a:buNone/>
             </a:pPr>
             <a:r>
-              <a:rPr lang="nl-BE" dirty="0"/>
-              <a:t>Database/ </a:t>
-            </a:r>
-            <a:r>
               <a:rPr lang="nl-BE" dirty="0" err="1"/>
               <a:t>nodered</a:t>
             </a:r>
@@ -4835,7 +4737,7 @@
                 <a:latin typeface="Dosis ExtraLight"/>
                 <a:sym typeface="Abel"/>
               </a:rPr>
-              <a:t>5</a:t>
+              <a:t>4</a:t>
             </a:r>
           </a:p>
         </p:txBody>
@@ -4986,6 +4888,100 @@
           </a:p>
         </p:txBody>
       </p:sp>
+      <p:pic>
+        <p:nvPicPr>
+          <p:cNvPr id="1026" name="Picture 2">
+            <a:extLst>
+              <a:ext uri="{FF2B5EF4-FFF2-40B4-BE49-F238E27FC236}">
+                <a16:creationId xmlns:a16="http://schemas.microsoft.com/office/drawing/2014/main" id="{EAD67DE9-C12B-47F5-B422-AFA57491BC32}"/>
+              </a:ext>
+            </a:extLst>
+          </p:cNvPr>
+          <p:cNvPicPr>
+            <a:picLocks noChangeAspect="1" noChangeArrowheads="1"/>
+          </p:cNvPicPr>
+          <p:nvPr/>
+        </p:nvPicPr>
+        <p:blipFill>
+          <a:blip r:embed="rId3">
+            <a:extLst>
+              <a:ext uri="{28A0092B-C50C-407E-A947-70E740481C1C}">
+                <a14:useLocalDpi xmlns:a14="http://schemas.microsoft.com/office/drawing/2010/main" val="0"/>
+              </a:ext>
+            </a:extLst>
+          </a:blip>
+          <a:srcRect/>
+          <a:stretch>
+            <a:fillRect/>
+          </a:stretch>
+        </p:blipFill>
+        <p:spPr bwMode="auto">
+          <a:xfrm>
+            <a:off x="547263" y="1115677"/>
+            <a:ext cx="5787181" cy="1917995"/>
+          </a:xfrm>
+          <a:prstGeom prst="rect">
+            <a:avLst/>
+          </a:prstGeom>
+          <a:noFill/>
+          <a:extLst>
+            <a:ext uri="{909E8E84-426E-40DD-AFC4-6F175D3DCCD1}">
+              <a14:hiddenFill xmlns:a14="http://schemas.microsoft.com/office/drawing/2010/main">
+                <a:solidFill>
+                  <a:srgbClr val="FFFFFF"/>
+                </a:solidFill>
+              </a14:hiddenFill>
+            </a:ext>
+          </a:extLst>
+        </p:spPr>
+      </p:pic>
+      <p:pic>
+        <p:nvPicPr>
+          <p:cNvPr id="1032" name="Picture 8">
+            <a:extLst>
+              <a:ext uri="{FF2B5EF4-FFF2-40B4-BE49-F238E27FC236}">
+                <a16:creationId xmlns:a16="http://schemas.microsoft.com/office/drawing/2014/main" id="{2CC86140-CF02-4732-A719-CB901E14BC27}"/>
+              </a:ext>
+            </a:extLst>
+          </p:cNvPr>
+          <p:cNvPicPr>
+            <a:picLocks noChangeAspect="1" noChangeArrowheads="1"/>
+          </p:cNvPicPr>
+          <p:nvPr/>
+        </p:nvPicPr>
+        <p:blipFill>
+          <a:blip r:embed="rId4">
+            <a:extLst>
+              <a:ext uri="{28A0092B-C50C-407E-A947-70E740481C1C}">
+                <a14:useLocalDpi xmlns:a14="http://schemas.microsoft.com/office/drawing/2010/main" val="0"/>
+              </a:ext>
+            </a:extLst>
+          </a:blip>
+          <a:srcRect/>
+          <a:stretch>
+            <a:fillRect/>
+          </a:stretch>
+        </p:blipFill>
+        <p:spPr bwMode="auto">
+          <a:xfrm>
+            <a:off x="6292710" y="1111830"/>
+            <a:ext cx="2343150" cy="2305050"/>
+          </a:xfrm>
+          <a:prstGeom prst="rect">
+            <a:avLst/>
+          </a:prstGeom>
+          <a:noFill/>
+          <a:extLst>
+            <a:ext uri="{909E8E84-426E-40DD-AFC4-6F175D3DCCD1}">
+              <a14:hiddenFill xmlns:a14="http://schemas.microsoft.com/office/drawing/2010/main">
+                <a:solidFill>
+                  <a:srgbClr val="FFFFFF"/>
+                </a:solidFill>
+              </a14:hiddenFill>
+            </a:ext>
+          </a:extLst>
+        </p:spPr>
+      </p:pic>
     </p:spTree>
     <p:extLst>
       <p:ext uri="{BB962C8B-B14F-4D97-AF65-F5344CB8AC3E}">
@@ -5060,287 +5056,6 @@
             </a:pPr>
             <a:r>
               <a:rPr lang="nl-BE" dirty="0"/>
-              <a:t>Database/ </a:t>
-            </a:r>
-            <a:r>
-              <a:rPr lang="nl-BE" dirty="0" err="1"/>
-              <a:t>nodered</a:t>
-            </a:r>
-            <a:endParaRPr dirty="0"/>
-          </a:p>
-        </p:txBody>
-      </p:sp>
-      <p:sp>
-        <p:nvSpPr>
-          <p:cNvPr id="8" name="Tekstvak 7">
-            <a:extLst>
-              <a:ext uri="{FF2B5EF4-FFF2-40B4-BE49-F238E27FC236}">
-                <a16:creationId xmlns:a16="http://schemas.microsoft.com/office/drawing/2014/main" id="{07FE98EE-60EE-4B0B-AFDB-515B4EB27F6C}"/>
-              </a:ext>
-            </a:extLst>
-          </p:cNvPr>
-          <p:cNvSpPr txBox="1"/>
-          <p:nvPr/>
-        </p:nvSpPr>
-        <p:spPr>
-          <a:xfrm>
-            <a:off x="0" y="4804946"/>
-            <a:ext cx="185531" cy="338554"/>
-          </a:xfrm>
-          <a:prstGeom prst="rect">
-            <a:avLst/>
-          </a:prstGeom>
-          <a:noFill/>
-        </p:spPr>
-        <p:txBody>
-          <a:bodyPr wrap="square" rtlCol="0">
-            <a:spAutoFit/>
-          </a:bodyPr>
-          <a:lstStyle/>
-          <a:p>
-            <a:r>
-              <a:rPr lang="nl-BE" sz="1600" dirty="0">
-                <a:solidFill>
-                  <a:srgbClr val="FFFFFF"/>
-                </a:solidFill>
-                <a:latin typeface="Dosis ExtraLight"/>
-                <a:sym typeface="Abel"/>
-              </a:rPr>
-              <a:t>6</a:t>
-            </a:r>
-          </a:p>
-        </p:txBody>
-      </p:sp>
-      <p:sp>
-        <p:nvSpPr>
-          <p:cNvPr id="7" name="Google Shape;318;p22">
-            <a:extLst>
-              <a:ext uri="{FF2B5EF4-FFF2-40B4-BE49-F238E27FC236}">
-                <a16:creationId xmlns:a16="http://schemas.microsoft.com/office/drawing/2014/main" id="{588F7C53-2FF0-4F4B-AAF7-07299BD95DBB}"/>
-              </a:ext>
-            </a:extLst>
-          </p:cNvPr>
-          <p:cNvSpPr txBox="1">
-            <a:spLocks noGrp="1"/>
-          </p:cNvSpPr>
-          <p:nvPr>
-            <p:ph type="subTitle" idx="1"/>
-          </p:nvPr>
-        </p:nvSpPr>
-        <p:spPr>
-          <a:xfrm>
-            <a:off x="856200" y="1115677"/>
-            <a:ext cx="7670400" cy="3416400"/>
-          </a:xfrm>
-          <a:prstGeom prst="rect">
-            <a:avLst/>
-          </a:prstGeom>
-        </p:spPr>
-        <p:txBody>
-          <a:bodyPr spcFirstLastPara="1" wrap="square" lIns="91425" tIns="91425" rIns="91425" bIns="91425" anchor="t" anchorCtr="0">
-            <a:noAutofit/>
-          </a:bodyPr>
-          <a:lstStyle/>
-          <a:p>
-            <a:pPr lvl="0">
-              <a:spcAft>
-                <a:spcPts val="600"/>
-              </a:spcAft>
-              <a:buClr>
-                <a:srgbClr val="FFFFFF"/>
-              </a:buClr>
-              <a:buSzPts val="1100"/>
-              <a:buFont typeface="Dosis ExtraLight"/>
-              <a:buChar char="●"/>
-            </a:pPr>
-            <a:endParaRPr lang="en-US" sz="1600" dirty="0">
-              <a:solidFill>
-                <a:srgbClr val="FFFFFF"/>
-              </a:solidFill>
-              <a:latin typeface="Dosis ExtraLight"/>
-              <a:ea typeface="Dosis ExtraLight"/>
-              <a:cs typeface="Dosis ExtraLight"/>
-              <a:sym typeface="Dosis ExtraLight"/>
-            </a:endParaRPr>
-          </a:p>
-        </p:txBody>
-      </p:sp>
-      <p:sp>
-        <p:nvSpPr>
-          <p:cNvPr id="10" name="Tekstvak 9">
-            <a:extLst>
-              <a:ext uri="{FF2B5EF4-FFF2-40B4-BE49-F238E27FC236}">
-                <a16:creationId xmlns:a16="http://schemas.microsoft.com/office/drawing/2014/main" id="{26104D37-2602-4D8D-8F43-2736676BFFB0}"/>
-              </a:ext>
-            </a:extLst>
-          </p:cNvPr>
-          <p:cNvSpPr txBox="1"/>
-          <p:nvPr/>
-        </p:nvSpPr>
-        <p:spPr>
-          <a:xfrm>
-            <a:off x="5307496" y="4866501"/>
-            <a:ext cx="3836503" cy="276999"/>
-          </a:xfrm>
-          <a:prstGeom prst="rect">
-            <a:avLst/>
-          </a:prstGeom>
-          <a:noFill/>
-        </p:spPr>
-        <p:txBody>
-          <a:bodyPr wrap="square" rtlCol="0">
-            <a:spAutoFit/>
-          </a:bodyPr>
-          <a:lstStyle/>
-          <a:p>
-            <a:pPr algn="r"/>
-            <a:r>
-              <a:rPr lang="nl-BE" sz="1200" dirty="0">
-                <a:solidFill>
-                  <a:schemeClr val="bg1"/>
-                </a:solidFill>
-                <a:latin typeface="Dosis ExtraLight"/>
-                <a:sym typeface="Abel"/>
-              </a:rPr>
-              <a:t>PLC     -     </a:t>
-            </a:r>
-            <a:r>
-              <a:rPr lang="nl-BE" sz="1200" dirty="0" err="1">
-                <a:solidFill>
-                  <a:schemeClr val="bg1"/>
-                </a:solidFill>
-                <a:latin typeface="Dosis ExtraLight"/>
-                <a:sym typeface="Abel"/>
-              </a:rPr>
-              <a:t>SigFox</a:t>
-            </a:r>
-            <a:r>
-              <a:rPr lang="nl-BE" sz="1200" dirty="0">
-                <a:solidFill>
-                  <a:schemeClr val="bg1"/>
-                </a:solidFill>
-                <a:latin typeface="Dosis ExtraLight"/>
-                <a:sym typeface="Abel"/>
-              </a:rPr>
-              <a:t>     -     </a:t>
-            </a:r>
-            <a:r>
-              <a:rPr lang="nl-BE" sz="1200" b="1" dirty="0">
-                <a:solidFill>
-                  <a:schemeClr val="bg1"/>
-                </a:solidFill>
-                <a:latin typeface="Dosis ExtraLight"/>
-                <a:sym typeface="Abel"/>
-              </a:rPr>
-              <a:t>Database/ </a:t>
-            </a:r>
-            <a:r>
-              <a:rPr lang="nl-BE" sz="1200" b="1" dirty="0" err="1">
-                <a:solidFill>
-                  <a:schemeClr val="bg1"/>
-                </a:solidFill>
-                <a:latin typeface="Dosis ExtraLight"/>
-                <a:sym typeface="Abel"/>
-              </a:rPr>
-              <a:t>NodeRed</a:t>
-            </a:r>
-            <a:r>
-              <a:rPr lang="nl-BE" sz="1200" b="1" dirty="0">
-                <a:solidFill>
-                  <a:schemeClr val="bg1"/>
-                </a:solidFill>
-                <a:latin typeface="Dosis ExtraLight"/>
-                <a:sym typeface="Abel"/>
-              </a:rPr>
-              <a:t>     </a:t>
-            </a:r>
-            <a:r>
-              <a:rPr lang="nl-BE" sz="1200" dirty="0">
-                <a:solidFill>
-                  <a:schemeClr val="bg1"/>
-                </a:solidFill>
-                <a:latin typeface="Dosis ExtraLight"/>
-                <a:sym typeface="Abel"/>
-              </a:rPr>
-              <a:t>-     Interface</a:t>
-            </a:r>
-          </a:p>
-        </p:txBody>
-      </p:sp>
-    </p:spTree>
-    <p:extLst>
-      <p:ext uri="{BB962C8B-B14F-4D97-AF65-F5344CB8AC3E}">
-        <p14:creationId xmlns:p14="http://schemas.microsoft.com/office/powerpoint/2010/main" val="1240919503"/>
-      </p:ext>
-    </p:extLst>
-  </p:cSld>
-  <p:clrMapOvr>
-    <a:masterClrMapping/>
-  </p:clrMapOvr>
-</p:sld>
-</file>
-
-<file path=ppt/slides/slide6.xml><?xml version="1.0" encoding="utf-8"?>
-<p:sld xmlns:a="http://schemas.openxmlformats.org/drawingml/2006/main" xmlns:r="http://schemas.openxmlformats.org/officeDocument/2006/relationships" xmlns:p="http://schemas.openxmlformats.org/presentationml/2006/main">
-  <p:cSld>
-    <p:bg>
-      <p:bgPr>
-        <a:solidFill>
-          <a:schemeClr val="lt2"/>
-        </a:solidFill>
-        <a:effectLst/>
-      </p:bgPr>
-    </p:bg>
-    <p:spTree>
-      <p:nvGrpSpPr>
-        <p:cNvPr id="1" name="Shape 316"/>
-        <p:cNvGrpSpPr/>
-        <p:nvPr/>
-      </p:nvGrpSpPr>
-      <p:grpSpPr>
-        <a:xfrm>
-          <a:off x="0" y="0"/>
-          <a:ext cx="0" cy="0"/>
-          <a:chOff x="0" y="0"/>
-          <a:chExt cx="0" cy="0"/>
-        </a:xfrm>
-      </p:grpSpPr>
-      <p:sp>
-        <p:nvSpPr>
-          <p:cNvPr id="317" name="Google Shape;317;p22"/>
-          <p:cNvSpPr txBox="1">
-            <a:spLocks noGrp="1"/>
-          </p:cNvSpPr>
-          <p:nvPr>
-            <p:ph type="ctrTitle"/>
-          </p:nvPr>
-        </p:nvSpPr>
-        <p:spPr>
-          <a:xfrm>
-            <a:off x="0" y="0"/>
-            <a:ext cx="7264500" cy="504000"/>
-          </a:xfrm>
-          <a:prstGeom prst="rect">
-            <a:avLst/>
-          </a:prstGeom>
-        </p:spPr>
-        <p:txBody>
-          <a:bodyPr spcFirstLastPara="1" wrap="square" lIns="91425" tIns="91425" rIns="91425" bIns="91425" anchor="t" anchorCtr="0">
-            <a:noAutofit/>
-          </a:bodyPr>
-          <a:lstStyle/>
-          <a:p>
-            <a:pPr marL="0" lvl="0" indent="0" algn="l" rtl="0">
-              <a:spcBef>
-                <a:spcPts val="0"/>
-              </a:spcBef>
-              <a:spcAft>
-                <a:spcPts val="0"/>
-              </a:spcAft>
-              <a:buNone/>
-            </a:pPr>
-            <a:r>
-              <a:rPr lang="nl-BE" dirty="0"/>
               <a:t>Interface</a:t>
             </a:r>
             <a:endParaRPr dirty="0"/>
@@ -6194,7 +5909,7 @@
                 <a:latin typeface="Dosis ExtraLight"/>
                 <a:sym typeface="Abel"/>
               </a:rPr>
-              <a:t>7</a:t>
+              <a:t>5</a:t>
             </a:r>
           </a:p>
         </p:txBody>
@@ -6304,7 +6019,7 @@
 </p:sld>
 </file>
 
-<file path=ppt/slides/slide7.xml><?xml version="1.0" encoding="utf-8"?>
+<file path=ppt/slides/slide6.xml><?xml version="1.0" encoding="utf-8"?>
 <p:sld xmlns:a="http://schemas.openxmlformats.org/drawingml/2006/main" xmlns:r="http://schemas.openxmlformats.org/officeDocument/2006/relationships" xmlns:p="http://schemas.openxmlformats.org/presentationml/2006/main">
   <p:cSld>
     <p:spTree>
